--- a/企画書続き.pptx
+++ b/企画書続き.pptx
@@ -10568,6 +10568,49 @@
           </a:p>
         </p:txBody>
       </p:sp>
+      <p:sp>
+        <p:nvSpPr>
+          <p:cNvPr id="4" name="テキスト ボックス 3">
+            <a:extLst>
+              <a:ext uri="{FF2B5EF4-FFF2-40B4-BE49-F238E27FC236}">
+                <a16:creationId xmlns:a16="http://schemas.microsoft.com/office/drawing/2014/main" id="{B4C9886A-7609-41DA-A4D0-5BB0A9224FC2}"/>
+              </a:ext>
+            </a:extLst>
+          </p:cNvPr>
+          <p:cNvSpPr txBox="1"/>
+          <p:nvPr/>
+        </p:nvSpPr>
+        <p:spPr>
+          <a:xfrm>
+            <a:off x="6811861" y="1535185"/>
+            <a:ext cx="2723823" cy="646331"/>
+          </a:xfrm>
+          <a:prstGeom prst="rect">
+            <a:avLst/>
+          </a:prstGeom>
+          <a:noFill/>
+        </p:spPr>
+        <p:txBody>
+          <a:bodyPr wrap="none" rtlCol="0">
+            <a:spAutoFit/>
+          </a:bodyPr>
+          <a:lstStyle/>
+          <a:p>
+            <a:r>
+              <a:rPr kumimoji="1" lang="ja-JP" altLang="en-US" dirty="0"/>
+              <a:t>同じエリアでも複数の</a:t>
+            </a:r>
+            <a:endParaRPr kumimoji="1" lang="en-US" altLang="ja-JP" dirty="0"/>
+          </a:p>
+          <a:p>
+            <a:r>
+              <a:rPr lang="ja-JP" altLang="en-US" dirty="0"/>
+              <a:t>動きが必要になることも</a:t>
+            </a:r>
+            <a:endParaRPr kumimoji="1" lang="ja-JP" altLang="en-US" dirty="0"/>
+          </a:p>
+        </p:txBody>
+      </p:sp>
     </p:spTree>
     <p:extLst>
       <p:ext uri="{BB962C8B-B14F-4D97-AF65-F5344CB8AC3E}">

--- a/企画書続き.pptx
+++ b/企画書続き.pptx
@@ -10568,49 +10568,6 @@
           </a:p>
         </p:txBody>
       </p:sp>
-      <p:sp>
-        <p:nvSpPr>
-          <p:cNvPr id="4" name="テキスト ボックス 3">
-            <a:extLst>
-              <a:ext uri="{FF2B5EF4-FFF2-40B4-BE49-F238E27FC236}">
-                <a16:creationId xmlns:a16="http://schemas.microsoft.com/office/drawing/2014/main" id="{B4C9886A-7609-41DA-A4D0-5BB0A9224FC2}"/>
-              </a:ext>
-            </a:extLst>
-          </p:cNvPr>
-          <p:cNvSpPr txBox="1"/>
-          <p:nvPr/>
-        </p:nvSpPr>
-        <p:spPr>
-          <a:xfrm>
-            <a:off x="6811861" y="1535185"/>
-            <a:ext cx="2723823" cy="646331"/>
-          </a:xfrm>
-          <a:prstGeom prst="rect">
-            <a:avLst/>
-          </a:prstGeom>
-          <a:noFill/>
-        </p:spPr>
-        <p:txBody>
-          <a:bodyPr wrap="none" rtlCol="0">
-            <a:spAutoFit/>
-          </a:bodyPr>
-          <a:lstStyle/>
-          <a:p>
-            <a:r>
-              <a:rPr kumimoji="1" lang="ja-JP" altLang="en-US" dirty="0"/>
-              <a:t>同じエリアでも複数の</a:t>
-            </a:r>
-            <a:endParaRPr kumimoji="1" lang="en-US" altLang="ja-JP" dirty="0"/>
-          </a:p>
-          <a:p>
-            <a:r>
-              <a:rPr lang="ja-JP" altLang="en-US" dirty="0"/>
-              <a:t>動きが必要になることも</a:t>
-            </a:r>
-            <a:endParaRPr kumimoji="1" lang="ja-JP" altLang="en-US" dirty="0"/>
-          </a:p>
-        </p:txBody>
-      </p:sp>
     </p:spTree>
     <p:extLst>
       <p:ext uri="{BB962C8B-B14F-4D97-AF65-F5344CB8AC3E}">

--- a/企画書続き.pptx
+++ b/企画書続き.pptx
@@ -10568,6 +10568,70 @@
           </a:p>
         </p:txBody>
       </p:sp>
+      <p:sp>
+        <p:nvSpPr>
+          <p:cNvPr id="4" name="テキスト ボックス 3">
+            <a:extLst>
+              <a:ext uri="{FF2B5EF4-FFF2-40B4-BE49-F238E27FC236}">
+                <a16:creationId xmlns:a16="http://schemas.microsoft.com/office/drawing/2014/main" id="{51DA8DE3-957B-4C6A-9FCE-BDEF00B60D5D}"/>
+              </a:ext>
+            </a:extLst>
+          </p:cNvPr>
+          <p:cNvSpPr txBox="1"/>
+          <p:nvPr/>
+        </p:nvSpPr>
+        <p:spPr>
+          <a:xfrm>
+            <a:off x="5336796" y="2810528"/>
+            <a:ext cx="1518407" cy="1323439"/>
+          </a:xfrm>
+          <a:prstGeom prst="rect">
+            <a:avLst/>
+          </a:prstGeom>
+          <a:noFill/>
+        </p:spPr>
+        <p:txBody>
+          <a:bodyPr wrap="square" rtlCol="0">
+            <a:spAutoFit/>
+          </a:bodyPr>
+          <a:lstStyle/>
+          <a:p>
+            <a:r>
+              <a:rPr kumimoji="1" lang="ja-JP" altLang="en-US" sz="4000" b="1" dirty="0">
+                <a:effectLst>
+                  <a:outerShdw blurRad="38100" dist="38100" dir="2700000" algn="tl">
+                    <a:srgbClr val="000000">
+                      <a:alpha val="43137"/>
+                    </a:srgbClr>
+                  </a:outerShdw>
+                </a:effectLst>
+              </a:rPr>
+              <a:t>追加</a:t>
+            </a:r>
+            <a:r>
+              <a:rPr kumimoji="1" lang="en-US" altLang="ja-JP" sz="4000" b="1" dirty="0">
+                <a:effectLst>
+                  <a:outerShdw blurRad="38100" dist="38100" dir="2700000" algn="tl">
+                    <a:srgbClr val="000000">
+                      <a:alpha val="43137"/>
+                    </a:srgbClr>
+                  </a:outerShdw>
+                </a:effectLst>
+              </a:rPr>
+              <a:t>!!!</a:t>
+            </a:r>
+            <a:endParaRPr kumimoji="1" lang="ja-JP" altLang="en-US" sz="4000" b="1" dirty="0">
+              <a:effectLst>
+                <a:outerShdw blurRad="38100" dist="38100" dir="2700000" algn="tl">
+                  <a:srgbClr val="000000">
+                    <a:alpha val="43137"/>
+                  </a:srgbClr>
+                </a:outerShdw>
+              </a:effectLst>
+            </a:endParaRPr>
+          </a:p>
+        </p:txBody>
+      </p:sp>
     </p:spTree>
     <p:extLst>
       <p:ext uri="{BB962C8B-B14F-4D97-AF65-F5344CB8AC3E}">
